--- a/reviewDocuments/Poster_Template.pptx
+++ b/reviewDocuments/Poster_Template.pptx
@@ -64,7 +64,7 @@
         <p:spPr>
           <a:xfrm>
             <a:off x="1470240" y="1626120"/>
-            <a:ext cx="18442800" cy="5903280"/>
+            <a:ext cx="18442440" cy="5902920"/>
           </a:xfrm>
           <a:prstGeom prst="rect">
             <a:avLst/>
@@ -177,7 +177,7 @@
         <p:spPr>
           <a:xfrm>
             <a:off x="1470240" y="1626120"/>
-            <a:ext cx="18442800" cy="5903280"/>
+            <a:ext cx="18442440" cy="5902920"/>
           </a:xfrm>
           <a:prstGeom prst="rect">
             <a:avLst/>
@@ -350,7 +350,7 @@
         <p:spPr>
           <a:xfrm>
             <a:off x="1470240" y="1626120"/>
-            <a:ext cx="18442800" cy="5903280"/>
+            <a:ext cx="18442440" cy="5902920"/>
           </a:xfrm>
           <a:prstGeom prst="rect">
             <a:avLst/>
@@ -583,7 +583,7 @@
         <p:spPr>
           <a:xfrm>
             <a:off x="1470240" y="1626120"/>
-            <a:ext cx="18442800" cy="5903280"/>
+            <a:ext cx="18442440" cy="5902920"/>
           </a:xfrm>
           <a:prstGeom prst="rect">
             <a:avLst/>
@@ -667,7 +667,7 @@
         <p:spPr>
           <a:xfrm>
             <a:off x="1470240" y="1626120"/>
-            <a:ext cx="18442800" cy="5903280"/>
+            <a:ext cx="18442440" cy="5902920"/>
           </a:xfrm>
           <a:prstGeom prst="rect">
             <a:avLst/>
@@ -750,7 +750,7 @@
         <p:spPr>
           <a:xfrm>
             <a:off x="1470240" y="1626120"/>
-            <a:ext cx="18442800" cy="5903280"/>
+            <a:ext cx="18442440" cy="5902920"/>
           </a:xfrm>
           <a:prstGeom prst="rect">
             <a:avLst/>
@@ -863,7 +863,7 @@
         <p:spPr>
           <a:xfrm>
             <a:off x="1470240" y="1626120"/>
-            <a:ext cx="18442800" cy="5903280"/>
+            <a:ext cx="18442440" cy="5902920"/>
           </a:xfrm>
           <a:prstGeom prst="rect">
             <a:avLst/>
@@ -916,7 +916,7 @@
         <p:spPr>
           <a:xfrm>
             <a:off x="1470240" y="1626120"/>
-            <a:ext cx="18442800" cy="27365400"/>
+            <a:ext cx="18442440" cy="27363600"/>
           </a:xfrm>
           <a:prstGeom prst="rect">
             <a:avLst/>
@@ -969,7 +969,7 @@
         <p:spPr>
           <a:xfrm>
             <a:off x="1470240" y="1626120"/>
-            <a:ext cx="18442800" cy="5903280"/>
+            <a:ext cx="18442440" cy="5902920"/>
           </a:xfrm>
           <a:prstGeom prst="rect">
             <a:avLst/>
@@ -1112,7 +1112,7 @@
         <p:spPr>
           <a:xfrm>
             <a:off x="1470240" y="1626120"/>
-            <a:ext cx="18442800" cy="5903280"/>
+            <a:ext cx="18442440" cy="5902920"/>
           </a:xfrm>
           <a:prstGeom prst="rect">
             <a:avLst/>
@@ -1255,7 +1255,7 @@
         <p:spPr>
           <a:xfrm>
             <a:off x="1470240" y="1626120"/>
-            <a:ext cx="18442800" cy="5903280"/>
+            <a:ext cx="18442440" cy="5902920"/>
           </a:xfrm>
           <a:prstGeom prst="rect">
             <a:avLst/>
@@ -1405,7 +1405,7 @@
         <p:spPr>
           <a:xfrm>
             <a:off x="1470240" y="1626120"/>
-            <a:ext cx="18442800" cy="5903280"/>
+            <a:ext cx="18442440" cy="5902920"/>
           </a:xfrm>
           <a:prstGeom prst="rect">
             <a:avLst/>
@@ -1653,7 +1653,7 @@
         <p:spPr>
           <a:xfrm>
             <a:off x="359640" y="365760"/>
-            <a:ext cx="20663280" cy="29555280"/>
+            <a:ext cx="20662920" cy="29554920"/>
           </a:xfrm>
           <a:prstGeom prst="rect">
             <a:avLst/>
@@ -1689,7 +1689,7 @@
         <p:spPr>
           <a:xfrm>
             <a:off x="2633400" y="365760"/>
-            <a:ext cx="18389520" cy="1133280"/>
+            <a:ext cx="18389160" cy="1132920"/>
           </a:xfrm>
           <a:prstGeom prst="rect">
             <a:avLst/>
@@ -1740,7 +1740,7 @@
         <p:spPr>
           <a:xfrm>
             <a:off x="2633400" y="1247760"/>
-            <a:ext cx="18389520" cy="691920"/>
+            <a:ext cx="18389160" cy="691560"/>
           </a:xfrm>
           <a:prstGeom prst="rect">
             <a:avLst/>
@@ -1797,7 +1797,7 @@
         <p:spPr>
           <a:xfrm>
             <a:off x="359640" y="13944600"/>
-            <a:ext cx="10349280" cy="15260040"/>
+            <a:ext cx="10348920" cy="15259680"/>
           </a:xfrm>
           <a:prstGeom prst="rect">
             <a:avLst/>
@@ -1840,8 +1840,24 @@
                 <a:latin typeface="Calibri"/>
                 <a:ea typeface="DejaVu Sans"/>
               </a:rPr>
-              <a:t>The simplest way to explain the </a:t>
-            </a:r>
+              <a:t>The simplest way to explain the workings of the model is as follows. Every neural network aims to map one feature space to another, namely the input space to the output feature space.[4,6] This mapping is generally solved by our artificial neurons. In most cases, that does a very good job. But it is not explainable nor can be directly understood by humans, that makes it entirely a blackbox. ODEs on the other hand can be solved and proved at every point that it gives results for. Since we can combine both, we can take the power of neural networks and add the power of neural ODEs to it for maximum benefit.</a:t>
+            </a:r>
+            <a:endParaRPr b="0" lang="en-US" sz="2400" spc="-1" strike="noStrike">
+              <a:latin typeface="Arial"/>
+            </a:endParaRPr>
+          </a:p>
+          <a:p>
+            <a:pPr>
+              <a:lnSpc>
+                <a:spcPct val="90000"/>
+              </a:lnSpc>
+              <a:spcBef>
+                <a:spcPts val="2339"/>
+              </a:spcBef>
+              <a:tabLst>
+                <a:tab algn="l" pos="0"/>
+              </a:tabLst>
+            </a:pPr>
             <a:r>
               <a:rPr b="0" lang="en-IN" sz="2400" spc="-1" strike="noStrike">
                 <a:solidFill>
@@ -1850,8 +1866,168 @@
                 <a:latin typeface="Calibri"/>
                 <a:ea typeface="DejaVu Sans"/>
               </a:rPr>
-              <a:t>workings of the model is as </a:t>
-            </a:r>
+              <a:t>The architecture used is as follows:</a:t>
+            </a:r>
+            <a:endParaRPr b="0" lang="en-US" sz="2400" spc="-1" strike="noStrike">
+              <a:latin typeface="Arial"/>
+            </a:endParaRPr>
+          </a:p>
+          <a:p>
+            <a:pPr>
+              <a:lnSpc>
+                <a:spcPct val="90000"/>
+              </a:lnSpc>
+              <a:spcBef>
+                <a:spcPts val="2339"/>
+              </a:spcBef>
+              <a:tabLst>
+                <a:tab algn="l" pos="0"/>
+              </a:tabLst>
+            </a:pPr>
+            <a:endParaRPr b="0" lang="en-US" sz="2400" spc="-1" strike="noStrike">
+              <a:latin typeface="Arial"/>
+            </a:endParaRPr>
+          </a:p>
+          <a:p>
+            <a:pPr>
+              <a:lnSpc>
+                <a:spcPct val="90000"/>
+              </a:lnSpc>
+              <a:spcBef>
+                <a:spcPts val="2339"/>
+              </a:spcBef>
+              <a:tabLst>
+                <a:tab algn="l" pos="0"/>
+              </a:tabLst>
+            </a:pPr>
+            <a:endParaRPr b="0" lang="en-US" sz="2400" spc="-1" strike="noStrike">
+              <a:latin typeface="Arial"/>
+            </a:endParaRPr>
+          </a:p>
+          <a:p>
+            <a:pPr>
+              <a:lnSpc>
+                <a:spcPct val="90000"/>
+              </a:lnSpc>
+              <a:spcBef>
+                <a:spcPts val="2339"/>
+              </a:spcBef>
+              <a:tabLst>
+                <a:tab algn="l" pos="0"/>
+              </a:tabLst>
+            </a:pPr>
+            <a:endParaRPr b="0" lang="en-US" sz="2400" spc="-1" strike="noStrike">
+              <a:latin typeface="Arial"/>
+            </a:endParaRPr>
+          </a:p>
+          <a:p>
+            <a:pPr>
+              <a:lnSpc>
+                <a:spcPct val="90000"/>
+              </a:lnSpc>
+              <a:spcBef>
+                <a:spcPts val="2339"/>
+              </a:spcBef>
+              <a:tabLst>
+                <a:tab algn="l" pos="0"/>
+              </a:tabLst>
+            </a:pPr>
+            <a:endParaRPr b="0" lang="en-US" sz="2400" spc="-1" strike="noStrike">
+              <a:latin typeface="Arial"/>
+            </a:endParaRPr>
+          </a:p>
+          <a:p>
+            <a:pPr>
+              <a:lnSpc>
+                <a:spcPct val="90000"/>
+              </a:lnSpc>
+              <a:spcBef>
+                <a:spcPts val="2339"/>
+              </a:spcBef>
+              <a:tabLst>
+                <a:tab algn="l" pos="0"/>
+              </a:tabLst>
+            </a:pPr>
+            <a:endParaRPr b="0" lang="en-US" sz="2400" spc="-1" strike="noStrike">
+              <a:latin typeface="Arial"/>
+            </a:endParaRPr>
+          </a:p>
+          <a:p>
+            <a:pPr>
+              <a:lnSpc>
+                <a:spcPct val="90000"/>
+              </a:lnSpc>
+              <a:spcBef>
+                <a:spcPts val="2339"/>
+              </a:spcBef>
+              <a:tabLst>
+                <a:tab algn="l" pos="0"/>
+              </a:tabLst>
+            </a:pPr>
+            <a:endParaRPr b="0" lang="en-US" sz="2400" spc="-1" strike="noStrike">
+              <a:latin typeface="Arial"/>
+            </a:endParaRPr>
+          </a:p>
+          <a:p>
+            <a:pPr>
+              <a:lnSpc>
+                <a:spcPct val="90000"/>
+              </a:lnSpc>
+              <a:spcBef>
+                <a:spcPts val="2339"/>
+              </a:spcBef>
+              <a:tabLst>
+                <a:tab algn="l" pos="0"/>
+              </a:tabLst>
+            </a:pPr>
+            <a:endParaRPr b="0" lang="en-US" sz="2400" spc="-1" strike="noStrike">
+              <a:latin typeface="Arial"/>
+            </a:endParaRPr>
+          </a:p>
+          <a:p>
+            <a:pPr>
+              <a:lnSpc>
+                <a:spcPct val="90000"/>
+              </a:lnSpc>
+              <a:spcBef>
+                <a:spcPts val="2339"/>
+              </a:spcBef>
+              <a:tabLst>
+                <a:tab algn="l" pos="0"/>
+              </a:tabLst>
+            </a:pPr>
+            <a:endParaRPr b="0" lang="en-US" sz="2400" spc="-1" strike="noStrike">
+              <a:latin typeface="Arial"/>
+            </a:endParaRPr>
+          </a:p>
+          <a:p>
+            <a:pPr>
+              <a:lnSpc>
+                <a:spcPct val="90000"/>
+              </a:lnSpc>
+              <a:spcBef>
+                <a:spcPts val="2339"/>
+              </a:spcBef>
+              <a:tabLst>
+                <a:tab algn="l" pos="0"/>
+              </a:tabLst>
+            </a:pPr>
+            <a:endParaRPr b="0" lang="en-US" sz="2400" spc="-1" strike="noStrike">
+              <a:latin typeface="Arial"/>
+            </a:endParaRPr>
+          </a:p>
+          <a:p>
+            <a:pPr>
+              <a:lnSpc>
+                <a:spcPct val="90000"/>
+              </a:lnSpc>
+              <a:spcBef>
+                <a:spcPts val="2339"/>
+              </a:spcBef>
+              <a:tabLst>
+                <a:tab algn="l" pos="0"/>
+              </a:tabLst>
+            </a:pPr>
             <a:r>
               <a:rPr b="0" lang="en-IN" sz="2400" spc="-1" strike="noStrike">
                 <a:solidFill>
@@ -1860,722 +2036,75 @@
                 <a:latin typeface="Calibri"/>
                 <a:ea typeface="DejaVu Sans"/>
               </a:rPr>
-              <a:t>follows. Every neural network </a:t>
-            </a:r>
-            <a:r>
-              <a:rPr b="0" lang="en-IN" sz="2400" spc="-1" strike="noStrike">
+              <a:t>There are many tricks that were used in this project to make use of recent research and the most useful techniques. These were all chosen from SOTA papers. The first was stratifying the data to ensure that the total number of classes while training does not influence the outcome. It basically involves using sampling to scale the number of classes so that the data loader gets an equal distribution of each class. The second trick used was learning rate scheduling which basically involves using multiple changing learning rates throughout the training process. This is done in contrast with other methods that require a fixed single learning rate and essentially improves training.The third was a change in optimizers, instead of using RMSProp or ADAM, we use ADAMW which is a new optimizer that relies on finding learning rates dynamically. Other important things to mention is that we are using transfer learning. This would reduce our training time drastically. Since our network is a custom one, we can only load the weights for the EfficientNet [7] backbone and the rest of the network cannot have pretrained weights since we just created it.</a:t>
+            </a:r>
+            <a:endParaRPr b="0" lang="en-US" sz="2400" spc="-1" strike="noStrike">
+              <a:latin typeface="Arial"/>
+            </a:endParaRPr>
+          </a:p>
+        </p:txBody>
+      </p:sp>
+      <p:sp>
+        <p:nvSpPr>
+          <p:cNvPr id="42" name=""/>
+          <p:cNvSpPr/>
+          <p:nvPr/>
+        </p:nvSpPr>
+        <p:spPr>
+          <a:xfrm>
+            <a:off x="16687800" y="9317880"/>
+            <a:ext cx="2743200" cy="740520"/>
+          </a:xfrm>
+          <a:prstGeom prst="rect">
+            <a:avLst/>
+          </a:prstGeom>
+          <a:noFill/>
+          <a:ln w="0">
+            <a:noFill/>
+          </a:ln>
+        </p:spPr>
+        <p:style>
+          <a:lnRef idx="0"/>
+          <a:fillRef idx="0"/>
+          <a:effectRef idx="0"/>
+          <a:fontRef idx="minor"/>
+        </p:style>
+        <p:txBody>
+          <a:bodyPr lIns="90000" rIns="90000" tIns="45000" bIns="45000">
+            <a:noAutofit/>
+          </a:bodyPr>
+          <a:p>
+            <a:pPr>
+              <a:lnSpc>
+                <a:spcPct val="100000"/>
+              </a:lnSpc>
+            </a:pPr>
+            <a:r>
+              <a:rPr b="0" i="1" lang="en-AU" sz="2000" spc="-1" strike="noStrike">
                 <a:solidFill>
                   <a:srgbClr val="000000"/>
                 </a:solidFill>
                 <a:latin typeface="Calibri"/>
                 <a:ea typeface="DejaVu Sans"/>
               </a:rPr>
-              <a:t>aims to map one feature space to </a:t>
-            </a:r>
-            <a:r>
-              <a:rPr b="0" lang="en-IN" sz="2400" spc="-1" strike="noStrike">
-                <a:solidFill>
-                  <a:srgbClr val="000000"/>
-                </a:solidFill>
-                <a:latin typeface="Calibri"/>
-                <a:ea typeface="DejaVu Sans"/>
-              </a:rPr>
-              <a:t>another, namely the input space </a:t>
-            </a:r>
-            <a:r>
-              <a:rPr b="0" lang="en-IN" sz="2400" spc="-1" strike="noStrike">
-                <a:solidFill>
-                  <a:srgbClr val="000000"/>
-                </a:solidFill>
-                <a:latin typeface="Calibri"/>
-                <a:ea typeface="DejaVu Sans"/>
-              </a:rPr>
-              <a:t>to the output feature space.[4,6] </a:t>
-            </a:r>
-            <a:r>
-              <a:rPr b="0" lang="en-IN" sz="2400" spc="-1" strike="noStrike">
-                <a:solidFill>
-                  <a:srgbClr val="000000"/>
-                </a:solidFill>
-                <a:latin typeface="Calibri"/>
-                <a:ea typeface="DejaVu Sans"/>
-              </a:rPr>
-              <a:t>This mapping is generally solved </a:t>
-            </a:r>
-            <a:r>
-              <a:rPr b="0" lang="en-IN" sz="2400" spc="-1" strike="noStrike">
-                <a:solidFill>
-                  <a:srgbClr val="000000"/>
-                </a:solidFill>
-                <a:latin typeface="Calibri"/>
-                <a:ea typeface="DejaVu Sans"/>
-              </a:rPr>
-              <a:t>by our artificial neurons. In most </a:t>
-            </a:r>
-            <a:r>
-              <a:rPr b="0" lang="en-IN" sz="2400" spc="-1" strike="noStrike">
-                <a:solidFill>
-                  <a:srgbClr val="000000"/>
-                </a:solidFill>
-                <a:latin typeface="Calibri"/>
-                <a:ea typeface="DejaVu Sans"/>
-              </a:rPr>
-              <a:t>cases, that does a very good job. </a:t>
-            </a:r>
-            <a:r>
-              <a:rPr b="0" lang="en-IN" sz="2400" spc="-1" strike="noStrike">
-                <a:solidFill>
-                  <a:srgbClr val="000000"/>
-                </a:solidFill>
-                <a:latin typeface="Calibri"/>
-                <a:ea typeface="DejaVu Sans"/>
-              </a:rPr>
-              <a:t>But it is not explainable nor can </a:t>
-            </a:r>
-            <a:r>
-              <a:rPr b="0" lang="en-IN" sz="2400" spc="-1" strike="noStrike">
-                <a:solidFill>
-                  <a:srgbClr val="000000"/>
-                </a:solidFill>
-                <a:latin typeface="Calibri"/>
-                <a:ea typeface="DejaVu Sans"/>
-              </a:rPr>
-              <a:t>be directly understood by </a:t>
-            </a:r>
-            <a:r>
-              <a:rPr b="0" lang="en-IN" sz="2400" spc="-1" strike="noStrike">
-                <a:solidFill>
-                  <a:srgbClr val="000000"/>
-                </a:solidFill>
-                <a:latin typeface="Calibri"/>
-                <a:ea typeface="DejaVu Sans"/>
-              </a:rPr>
-              <a:t>humans, that makes it entirely a </a:t>
-            </a:r>
-            <a:r>
-              <a:rPr b="0" lang="en-IN" sz="2400" spc="-1" strike="noStrike">
-                <a:solidFill>
-                  <a:srgbClr val="000000"/>
-                </a:solidFill>
-                <a:latin typeface="Calibri"/>
-                <a:ea typeface="DejaVu Sans"/>
-              </a:rPr>
-              <a:t>blackbox. ODEs on the other hand </a:t>
-            </a:r>
-            <a:r>
-              <a:rPr b="0" lang="en-IN" sz="2400" spc="-1" strike="noStrike">
-                <a:solidFill>
-                  <a:srgbClr val="000000"/>
-                </a:solidFill>
-                <a:latin typeface="Calibri"/>
-                <a:ea typeface="DejaVu Sans"/>
-              </a:rPr>
-              <a:t>can be solved and proved at every </a:t>
-            </a:r>
-            <a:r>
-              <a:rPr b="0" lang="en-IN" sz="2400" spc="-1" strike="noStrike">
-                <a:solidFill>
-                  <a:srgbClr val="000000"/>
-                </a:solidFill>
-                <a:latin typeface="Calibri"/>
-                <a:ea typeface="DejaVu Sans"/>
-              </a:rPr>
-              <a:t>point that it gives results for. Since </a:t>
-            </a:r>
-            <a:r>
-              <a:rPr b="0" lang="en-IN" sz="2400" spc="-1" strike="noStrike">
-                <a:solidFill>
-                  <a:srgbClr val="000000"/>
-                </a:solidFill>
-                <a:latin typeface="Calibri"/>
-                <a:ea typeface="DejaVu Sans"/>
-              </a:rPr>
-              <a:t>we can combine both, we can take </a:t>
-            </a:r>
-            <a:r>
-              <a:rPr b="0" lang="en-IN" sz="2400" spc="-1" strike="noStrike">
-                <a:solidFill>
-                  <a:srgbClr val="000000"/>
-                </a:solidFill>
-                <a:latin typeface="Calibri"/>
-                <a:ea typeface="DejaVu Sans"/>
-              </a:rPr>
-              <a:t>the power of neural networks and </a:t>
-            </a:r>
-            <a:r>
-              <a:rPr b="0" lang="en-IN" sz="2400" spc="-1" strike="noStrike">
-                <a:solidFill>
-                  <a:srgbClr val="000000"/>
-                </a:solidFill>
-                <a:latin typeface="Calibri"/>
-                <a:ea typeface="DejaVu Sans"/>
-              </a:rPr>
-              <a:t>add the power of neural ODEs to it </a:t>
-            </a:r>
-            <a:r>
-              <a:rPr b="0" lang="en-IN" sz="2400" spc="-1" strike="noStrike">
-                <a:solidFill>
-                  <a:srgbClr val="000000"/>
-                </a:solidFill>
-                <a:latin typeface="Calibri"/>
-                <a:ea typeface="DejaVu Sans"/>
-              </a:rPr>
-              <a:t>for maximum benefit.</a:t>
-            </a:r>
-            <a:endParaRPr b="0" lang="en-US" sz="2400" spc="-1" strike="noStrike">
-              <a:latin typeface="Arial"/>
-            </a:endParaRPr>
-          </a:p>
-          <a:p>
-            <a:pPr>
-              <a:lnSpc>
-                <a:spcPct val="90000"/>
-              </a:lnSpc>
-              <a:spcBef>
-                <a:spcPts val="2339"/>
-              </a:spcBef>
-              <a:tabLst>
-                <a:tab algn="l" pos="0"/>
-              </a:tabLst>
-            </a:pPr>
-            <a:r>
-              <a:rPr b="0" lang="en-IN" sz="2400" spc="-1" strike="noStrike">
-                <a:solidFill>
-                  <a:srgbClr val="000000"/>
-                </a:solidFill>
-                <a:latin typeface="Calibri"/>
-                <a:ea typeface="DejaVu Sans"/>
-              </a:rPr>
-              <a:t>The architecture used is as </a:t>
-            </a:r>
-            <a:r>
-              <a:rPr b="0" lang="en-IN" sz="2400" spc="-1" strike="noStrike">
-                <a:solidFill>
-                  <a:srgbClr val="000000"/>
-                </a:solidFill>
-                <a:latin typeface="Calibri"/>
-                <a:ea typeface="DejaVu Sans"/>
-              </a:rPr>
-              <a:t>follows:</a:t>
-            </a:r>
-            <a:endParaRPr b="0" lang="en-US" sz="2400" spc="-1" strike="noStrike">
-              <a:latin typeface="Arial"/>
-            </a:endParaRPr>
-          </a:p>
-          <a:p>
-            <a:pPr>
-              <a:lnSpc>
-                <a:spcPct val="90000"/>
-              </a:lnSpc>
-              <a:spcBef>
-                <a:spcPts val="2339"/>
-              </a:spcBef>
-              <a:tabLst>
-                <a:tab algn="l" pos="0"/>
-              </a:tabLst>
-            </a:pPr>
-            <a:endParaRPr b="0" lang="en-US" sz="2400" spc="-1" strike="noStrike">
-              <a:latin typeface="Arial"/>
-            </a:endParaRPr>
-          </a:p>
-          <a:p>
-            <a:pPr>
-              <a:lnSpc>
-                <a:spcPct val="90000"/>
-              </a:lnSpc>
-              <a:spcBef>
-                <a:spcPts val="2339"/>
-              </a:spcBef>
-              <a:tabLst>
-                <a:tab algn="l" pos="0"/>
-              </a:tabLst>
-            </a:pPr>
-            <a:r>
-              <a:rPr b="0" lang="en-IN" sz="2400" spc="-1" strike="noStrike">
-                <a:solidFill>
-                  <a:srgbClr val="000000"/>
-                </a:solidFill>
-                <a:latin typeface="Calibri"/>
-                <a:ea typeface="DejaVu Sans"/>
-              </a:rPr>
-              <a:t>&lt;Insert image&gt;</a:t>
-            </a:r>
-            <a:endParaRPr b="0" lang="en-US" sz="2400" spc="-1" strike="noStrike">
-              <a:latin typeface="Arial"/>
-            </a:endParaRPr>
-          </a:p>
-          <a:p>
-            <a:pPr>
-              <a:lnSpc>
-                <a:spcPct val="90000"/>
-              </a:lnSpc>
-              <a:spcBef>
-                <a:spcPts val="2339"/>
-              </a:spcBef>
-              <a:tabLst>
-                <a:tab algn="l" pos="0"/>
-              </a:tabLst>
-            </a:pPr>
-            <a:endParaRPr b="0" lang="en-US" sz="2400" spc="-1" strike="noStrike">
-              <a:latin typeface="Arial"/>
-            </a:endParaRPr>
-          </a:p>
-          <a:p>
-            <a:pPr>
-              <a:lnSpc>
-                <a:spcPct val="90000"/>
-              </a:lnSpc>
-              <a:spcBef>
-                <a:spcPts val="2339"/>
-              </a:spcBef>
-              <a:tabLst>
-                <a:tab algn="l" pos="0"/>
-              </a:tabLst>
-            </a:pPr>
-            <a:r>
-              <a:rPr b="0" lang="en-IN" sz="2400" spc="-1" strike="noStrike">
-                <a:solidFill>
-                  <a:srgbClr val="000000"/>
-                </a:solidFill>
-                <a:latin typeface="Calibri"/>
-                <a:ea typeface="DejaVu Sans"/>
-              </a:rPr>
-              <a:t>There are many tricks that were </a:t>
-            </a:r>
-            <a:r>
-              <a:rPr b="0" lang="en-IN" sz="2400" spc="-1" strike="noStrike">
-                <a:solidFill>
-                  <a:srgbClr val="000000"/>
-                </a:solidFill>
-                <a:latin typeface="Calibri"/>
-                <a:ea typeface="DejaVu Sans"/>
-              </a:rPr>
-              <a:t>used in this project to make use of </a:t>
-            </a:r>
-            <a:r>
-              <a:rPr b="0" lang="en-IN" sz="2400" spc="-1" strike="noStrike">
-                <a:solidFill>
-                  <a:srgbClr val="000000"/>
-                </a:solidFill>
-                <a:latin typeface="Calibri"/>
-                <a:ea typeface="DejaVu Sans"/>
-              </a:rPr>
-              <a:t>recent research and the most </a:t>
-            </a:r>
-            <a:r>
-              <a:rPr b="0" lang="en-IN" sz="2400" spc="-1" strike="noStrike">
-                <a:solidFill>
-                  <a:srgbClr val="000000"/>
-                </a:solidFill>
-                <a:latin typeface="Calibri"/>
-                <a:ea typeface="DejaVu Sans"/>
-              </a:rPr>
-              <a:t>useful techniques. These were all </a:t>
-            </a:r>
-            <a:r>
-              <a:rPr b="0" lang="en-IN" sz="2400" spc="-1" strike="noStrike">
-                <a:solidFill>
-                  <a:srgbClr val="000000"/>
-                </a:solidFill>
-                <a:latin typeface="Calibri"/>
-                <a:ea typeface="DejaVu Sans"/>
-              </a:rPr>
-              <a:t>chosen from SOTA papers. The </a:t>
-            </a:r>
-            <a:r>
-              <a:rPr b="0" lang="en-IN" sz="2400" spc="-1" strike="noStrike">
-                <a:solidFill>
-                  <a:srgbClr val="000000"/>
-                </a:solidFill>
-                <a:latin typeface="Calibri"/>
-                <a:ea typeface="DejaVu Sans"/>
-              </a:rPr>
-              <a:t>first was stratifying the data to </a:t>
-            </a:r>
-            <a:r>
-              <a:rPr b="0" lang="en-IN" sz="2400" spc="-1" strike="noStrike">
-                <a:solidFill>
-                  <a:srgbClr val="000000"/>
-                </a:solidFill>
-                <a:latin typeface="Calibri"/>
-                <a:ea typeface="DejaVu Sans"/>
-              </a:rPr>
-              <a:t>ensure that the total number of </a:t>
-            </a:r>
-            <a:r>
-              <a:rPr b="0" lang="en-IN" sz="2400" spc="-1" strike="noStrike">
-                <a:solidFill>
-                  <a:srgbClr val="000000"/>
-                </a:solidFill>
-                <a:latin typeface="Calibri"/>
-                <a:ea typeface="DejaVu Sans"/>
-              </a:rPr>
-              <a:t>classes while training does not </a:t>
-            </a:r>
-            <a:r>
-              <a:rPr b="0" lang="en-IN" sz="2400" spc="-1" strike="noStrike">
-                <a:solidFill>
-                  <a:srgbClr val="000000"/>
-                </a:solidFill>
-                <a:latin typeface="Calibri"/>
-                <a:ea typeface="DejaVu Sans"/>
-              </a:rPr>
-              <a:t>influence the outcome. It basically </a:t>
-            </a:r>
-            <a:r>
-              <a:rPr b="0" lang="en-IN" sz="2400" spc="-1" strike="noStrike">
-                <a:solidFill>
-                  <a:srgbClr val="000000"/>
-                </a:solidFill>
-                <a:latin typeface="Calibri"/>
-                <a:ea typeface="DejaVu Sans"/>
-              </a:rPr>
-              <a:t>involves using sampling to scale </a:t>
-            </a:r>
-            <a:r>
-              <a:rPr b="0" lang="en-IN" sz="2400" spc="-1" strike="noStrike">
-                <a:solidFill>
-                  <a:srgbClr val="000000"/>
-                </a:solidFill>
-                <a:latin typeface="Calibri"/>
-                <a:ea typeface="DejaVu Sans"/>
-              </a:rPr>
-              <a:t>the number of classes so that the </a:t>
-            </a:r>
-            <a:r>
-              <a:rPr b="0" lang="en-IN" sz="2400" spc="-1" strike="noStrike">
-                <a:solidFill>
-                  <a:srgbClr val="000000"/>
-                </a:solidFill>
-                <a:latin typeface="Calibri"/>
-                <a:ea typeface="DejaVu Sans"/>
-              </a:rPr>
-              <a:t>data loader gets an equal </a:t>
-            </a:r>
-            <a:r>
-              <a:rPr b="0" lang="en-IN" sz="2400" spc="-1" strike="noStrike">
-                <a:solidFill>
-                  <a:srgbClr val="000000"/>
-                </a:solidFill>
-                <a:latin typeface="Calibri"/>
-                <a:ea typeface="DejaVu Sans"/>
-              </a:rPr>
-              <a:t>distribution of each class.</a:t>
-            </a:r>
-            <a:endParaRPr b="0" lang="en-US" sz="2400" spc="-1" strike="noStrike">
-              <a:latin typeface="Arial"/>
-            </a:endParaRPr>
-          </a:p>
-          <a:p>
-            <a:pPr>
-              <a:lnSpc>
-                <a:spcPct val="90000"/>
-              </a:lnSpc>
-              <a:spcBef>
-                <a:spcPts val="2339"/>
-              </a:spcBef>
-              <a:tabLst>
-                <a:tab algn="l" pos="0"/>
-              </a:tabLst>
-            </a:pPr>
-            <a:r>
-              <a:rPr b="0" lang="en-IN" sz="2400" spc="-1" strike="noStrike">
-                <a:solidFill>
-                  <a:srgbClr val="000000"/>
-                </a:solidFill>
-                <a:latin typeface="Calibri"/>
-                <a:ea typeface="DejaVu Sans"/>
-              </a:rPr>
-              <a:t>The second trick used was </a:t>
-            </a:r>
-            <a:r>
-              <a:rPr b="0" lang="en-IN" sz="2400" spc="-1" strike="noStrike">
-                <a:solidFill>
-                  <a:srgbClr val="000000"/>
-                </a:solidFill>
-                <a:latin typeface="Calibri"/>
-                <a:ea typeface="DejaVu Sans"/>
-              </a:rPr>
-              <a:t>learning rate scheduling which </a:t>
-            </a:r>
-            <a:r>
-              <a:rPr b="0" lang="en-IN" sz="2400" spc="-1" strike="noStrike">
-                <a:solidFill>
-                  <a:srgbClr val="000000"/>
-                </a:solidFill>
-                <a:latin typeface="Calibri"/>
-                <a:ea typeface="DejaVu Sans"/>
-              </a:rPr>
-              <a:t>basically involves using multiple </a:t>
-            </a:r>
-            <a:r>
-              <a:rPr b="0" lang="en-IN" sz="2400" spc="-1" strike="noStrike">
-                <a:solidFill>
-                  <a:srgbClr val="000000"/>
-                </a:solidFill>
-                <a:latin typeface="Calibri"/>
-                <a:ea typeface="DejaVu Sans"/>
-              </a:rPr>
-              <a:t>changing learning rates </a:t>
-            </a:r>
-            <a:r>
-              <a:rPr b="0" lang="en-IN" sz="2400" spc="-1" strike="noStrike">
-                <a:solidFill>
-                  <a:srgbClr val="000000"/>
-                </a:solidFill>
-                <a:latin typeface="Calibri"/>
-                <a:ea typeface="DejaVu Sans"/>
-              </a:rPr>
-              <a:t>throughout the training process. </a:t>
-            </a:r>
-            <a:r>
-              <a:rPr b="0" lang="en-IN" sz="2400" spc="-1" strike="noStrike">
-                <a:solidFill>
-                  <a:srgbClr val="000000"/>
-                </a:solidFill>
-                <a:latin typeface="Calibri"/>
-                <a:ea typeface="DejaVu Sans"/>
-              </a:rPr>
-              <a:t>This is done in contrast with other </a:t>
-            </a:r>
-            <a:r>
-              <a:rPr b="0" lang="en-IN" sz="2400" spc="-1" strike="noStrike">
-                <a:solidFill>
-                  <a:srgbClr val="000000"/>
-                </a:solidFill>
-                <a:latin typeface="Calibri"/>
-                <a:ea typeface="DejaVu Sans"/>
-              </a:rPr>
-              <a:t>methods that require a fixed </a:t>
-            </a:r>
-            <a:r>
-              <a:rPr b="0" lang="en-IN" sz="2400" spc="-1" strike="noStrike">
-                <a:solidFill>
-                  <a:srgbClr val="000000"/>
-                </a:solidFill>
-                <a:latin typeface="Calibri"/>
-                <a:ea typeface="DejaVu Sans"/>
-              </a:rPr>
-              <a:t>single learning rate and essentially </a:t>
-            </a:r>
-            <a:r>
-              <a:rPr b="0" lang="en-IN" sz="2400" spc="-1" strike="noStrike">
-                <a:solidFill>
-                  <a:srgbClr val="000000"/>
-                </a:solidFill>
-                <a:latin typeface="Calibri"/>
-                <a:ea typeface="DejaVu Sans"/>
-              </a:rPr>
-              <a:t>improves training.</a:t>
-            </a:r>
-            <a:endParaRPr b="0" lang="en-US" sz="2400" spc="-1" strike="noStrike">
-              <a:latin typeface="Arial"/>
-            </a:endParaRPr>
-          </a:p>
-          <a:p>
-            <a:pPr>
-              <a:lnSpc>
-                <a:spcPct val="90000"/>
-              </a:lnSpc>
-              <a:spcBef>
-                <a:spcPts val="2339"/>
-              </a:spcBef>
-              <a:tabLst>
-                <a:tab algn="l" pos="0"/>
-              </a:tabLst>
-            </a:pPr>
-            <a:r>
-              <a:rPr b="0" lang="en-IN" sz="2400" spc="-1" strike="noStrike">
-                <a:solidFill>
-                  <a:srgbClr val="000000"/>
-                </a:solidFill>
-                <a:latin typeface="Calibri"/>
-                <a:ea typeface="DejaVu Sans"/>
-              </a:rPr>
-              <a:t>The third was a change in </a:t>
-            </a:r>
-            <a:r>
-              <a:rPr b="0" lang="en-IN" sz="2400" spc="-1" strike="noStrike">
-                <a:solidFill>
-                  <a:srgbClr val="000000"/>
-                </a:solidFill>
-                <a:latin typeface="Calibri"/>
-                <a:ea typeface="DejaVu Sans"/>
-              </a:rPr>
-              <a:t>optimizers, instead of using </a:t>
-            </a:r>
-            <a:r>
-              <a:rPr b="0" lang="en-IN" sz="2400" spc="-1" strike="noStrike">
-                <a:solidFill>
-                  <a:srgbClr val="000000"/>
-                </a:solidFill>
-                <a:latin typeface="Calibri"/>
-                <a:ea typeface="DejaVu Sans"/>
-              </a:rPr>
-              <a:t>RMSProp or ADAM, we use </a:t>
-            </a:r>
-            <a:r>
-              <a:rPr b="0" lang="en-IN" sz="2400" spc="-1" strike="noStrike">
-                <a:solidFill>
-                  <a:srgbClr val="000000"/>
-                </a:solidFill>
-                <a:latin typeface="Calibri"/>
-                <a:ea typeface="DejaVu Sans"/>
-              </a:rPr>
-              <a:t>ADAMW which is a new optimizer </a:t>
-            </a:r>
-            <a:r>
-              <a:rPr b="0" lang="en-IN" sz="2400" spc="-1" strike="noStrike">
-                <a:solidFill>
-                  <a:srgbClr val="000000"/>
-                </a:solidFill>
-                <a:latin typeface="Calibri"/>
-                <a:ea typeface="DejaVu Sans"/>
-              </a:rPr>
-              <a:t>that relies on finding learning </a:t>
-            </a:r>
-            <a:r>
-              <a:rPr b="0" lang="en-IN" sz="2400" spc="-1" strike="noStrike">
-                <a:solidFill>
-                  <a:srgbClr val="000000"/>
-                </a:solidFill>
-                <a:latin typeface="Calibri"/>
-                <a:ea typeface="DejaVu Sans"/>
-              </a:rPr>
-              <a:t>rates dynamically.</a:t>
-            </a:r>
-            <a:endParaRPr b="0" lang="en-US" sz="2400" spc="-1" strike="noStrike">
-              <a:latin typeface="Arial"/>
-            </a:endParaRPr>
-          </a:p>
-          <a:p>
-            <a:pPr>
-              <a:lnSpc>
-                <a:spcPct val="90000"/>
-              </a:lnSpc>
-              <a:spcBef>
-                <a:spcPts val="2339"/>
-              </a:spcBef>
-              <a:tabLst>
-                <a:tab algn="l" pos="0"/>
-              </a:tabLst>
-            </a:pPr>
-            <a:r>
-              <a:rPr b="0" lang="en-IN" sz="2400" spc="-1" strike="noStrike">
-                <a:solidFill>
-                  <a:srgbClr val="000000"/>
-                </a:solidFill>
-                <a:latin typeface="Calibri"/>
-                <a:ea typeface="DejaVu Sans"/>
-              </a:rPr>
-              <a:t>Other important things to </a:t>
-            </a:r>
-            <a:r>
-              <a:rPr b="0" lang="en-IN" sz="2400" spc="-1" strike="noStrike">
-                <a:solidFill>
-                  <a:srgbClr val="000000"/>
-                </a:solidFill>
-                <a:latin typeface="Calibri"/>
-                <a:ea typeface="DejaVu Sans"/>
-              </a:rPr>
-              <a:t>mention is that we are using </a:t>
-            </a:r>
-            <a:r>
-              <a:rPr b="0" lang="en-IN" sz="2400" spc="-1" strike="noStrike">
-                <a:solidFill>
-                  <a:srgbClr val="000000"/>
-                </a:solidFill>
-                <a:latin typeface="Calibri"/>
-                <a:ea typeface="DejaVu Sans"/>
-              </a:rPr>
-              <a:t>transfer learning. This would </a:t>
-            </a:r>
-            <a:r>
-              <a:rPr b="0" lang="en-IN" sz="2400" spc="-1" strike="noStrike">
-                <a:solidFill>
-                  <a:srgbClr val="000000"/>
-                </a:solidFill>
-                <a:latin typeface="Calibri"/>
-                <a:ea typeface="DejaVu Sans"/>
-              </a:rPr>
-              <a:t>reduce our training time </a:t>
-            </a:r>
-            <a:r>
-              <a:rPr b="0" lang="en-IN" sz="2400" spc="-1" strike="noStrike">
-                <a:solidFill>
-                  <a:srgbClr val="000000"/>
-                </a:solidFill>
-                <a:latin typeface="Calibri"/>
-                <a:ea typeface="DejaVu Sans"/>
-              </a:rPr>
-              <a:t>drastically. Since our network is a </a:t>
-            </a:r>
-            <a:r>
-              <a:rPr b="0" lang="en-IN" sz="2400" spc="-1" strike="noStrike">
-                <a:solidFill>
-                  <a:srgbClr val="000000"/>
-                </a:solidFill>
-                <a:latin typeface="Calibri"/>
-                <a:ea typeface="DejaVu Sans"/>
-              </a:rPr>
-              <a:t>custom one, we can only load the </a:t>
-            </a:r>
-            <a:r>
-              <a:rPr b="0" lang="en-IN" sz="2400" spc="-1" strike="noStrike">
-                <a:solidFill>
-                  <a:srgbClr val="000000"/>
-                </a:solidFill>
-                <a:latin typeface="Calibri"/>
-                <a:ea typeface="DejaVu Sans"/>
-              </a:rPr>
-              <a:t>weights for the EfficientNet [7] </a:t>
-            </a:r>
-            <a:r>
-              <a:rPr b="0" lang="en-IN" sz="2400" spc="-1" strike="noStrike">
-                <a:solidFill>
-                  <a:srgbClr val="000000"/>
-                </a:solidFill>
-                <a:latin typeface="Calibri"/>
-                <a:ea typeface="DejaVu Sans"/>
-              </a:rPr>
-              <a:t>backbone and the rest of the </a:t>
-            </a:r>
-            <a:r>
-              <a:rPr b="0" lang="en-IN" sz="2400" spc="-1" strike="noStrike">
-                <a:solidFill>
-                  <a:srgbClr val="000000"/>
-                </a:solidFill>
-                <a:latin typeface="Calibri"/>
-                <a:ea typeface="DejaVu Sans"/>
-              </a:rPr>
-              <a:t>network cannot have pretrained </a:t>
-            </a:r>
-            <a:r>
-              <a:rPr b="0" lang="en-IN" sz="2400" spc="-1" strike="noStrike">
-                <a:solidFill>
-                  <a:srgbClr val="000000"/>
-                </a:solidFill>
-                <a:latin typeface="Calibri"/>
-                <a:ea typeface="DejaVu Sans"/>
-              </a:rPr>
-              <a:t>weights since we just created it.</a:t>
-            </a:r>
-            <a:endParaRPr b="0" lang="en-US" sz="2400" spc="-1" strike="noStrike">
-              <a:latin typeface="Arial"/>
-            </a:endParaRPr>
-          </a:p>
-        </p:txBody>
-      </p:sp>
-      <p:sp>
-        <p:nvSpPr>
-          <p:cNvPr id="42" name="Text Placeholder 68"/>
+              <a:t>Number of epochs and accuracy</a:t>
+            </a:r>
+            <a:endParaRPr b="0" lang="en-US" sz="2000" spc="-1" strike="noStrike">
+              <a:latin typeface="Arial"/>
+            </a:endParaRPr>
+          </a:p>
+        </p:txBody>
+      </p:sp>
+      <p:sp>
+        <p:nvSpPr>
+          <p:cNvPr id="43" name="Text Placeholder 68"/>
           <p:cNvSpPr/>
           <p:nvPr/>
         </p:nvSpPr>
         <p:spPr>
           <a:xfrm>
             <a:off x="10709640" y="7435800"/>
-            <a:ext cx="10349280" cy="8706240"/>
+            <a:ext cx="10348920" cy="8705880"/>
           </a:xfrm>
           <a:prstGeom prst="rect">
             <a:avLst/>
@@ -2814,14 +2343,14 @@
       </p:sp>
       <p:sp>
         <p:nvSpPr>
-          <p:cNvPr id="43" name="Rectangle 2"/>
+          <p:cNvPr id="44" name="Rectangle 2"/>
           <p:cNvSpPr/>
           <p:nvPr/>
         </p:nvSpPr>
         <p:spPr>
           <a:xfrm>
             <a:off x="362160" y="6773400"/>
-            <a:ext cx="4411800" cy="638640"/>
+            <a:ext cx="4411800" cy="638280"/>
           </a:xfrm>
           <a:prstGeom prst="rect">
             <a:avLst/>
@@ -2865,14 +2394,14 @@
       </p:sp>
       <p:sp>
         <p:nvSpPr>
-          <p:cNvPr id="44" name="Rectangle 11"/>
+          <p:cNvPr id="45" name="Rectangle 11"/>
           <p:cNvSpPr/>
           <p:nvPr/>
         </p:nvSpPr>
         <p:spPr>
           <a:xfrm>
             <a:off x="10922760" y="6750000"/>
-            <a:ext cx="1650240" cy="638640"/>
+            <a:ext cx="1650240" cy="638280"/>
           </a:xfrm>
           <a:prstGeom prst="rect">
             <a:avLst/>
@@ -2916,14 +2445,14 @@
       </p:sp>
       <p:sp>
         <p:nvSpPr>
-          <p:cNvPr id="45" name="Rectangle 12"/>
+          <p:cNvPr id="46" name="Rectangle 12"/>
           <p:cNvSpPr/>
           <p:nvPr/>
         </p:nvSpPr>
         <p:spPr>
           <a:xfrm>
             <a:off x="359640" y="13077000"/>
-            <a:ext cx="2886120" cy="638640"/>
+            <a:ext cx="2886120" cy="638280"/>
           </a:xfrm>
           <a:prstGeom prst="rect">
             <a:avLst/>
@@ -2967,14 +2496,14 @@
       </p:sp>
       <p:sp>
         <p:nvSpPr>
-          <p:cNvPr id="46" name="Content Placeholder 10"/>
+          <p:cNvPr id="47" name="Content Placeholder 10"/>
           <p:cNvSpPr/>
           <p:nvPr/>
         </p:nvSpPr>
         <p:spPr>
           <a:xfrm>
             <a:off x="359640" y="7409880"/>
-            <a:ext cx="10349280" cy="5619960"/>
+            <a:ext cx="10348920" cy="5619600"/>
           </a:xfrm>
           <a:prstGeom prst="rect">
             <a:avLst/>
@@ -3199,14 +2728,14 @@
       </p:sp>
       <p:sp>
         <p:nvSpPr>
-          <p:cNvPr id="47" name="Text Placeholder 68"/>
+          <p:cNvPr id="48" name="Text Placeholder 68"/>
           <p:cNvSpPr/>
           <p:nvPr/>
         </p:nvSpPr>
         <p:spPr>
           <a:xfrm>
             <a:off x="359640" y="3092040"/>
-            <a:ext cx="20671560" cy="1479960"/>
+            <a:ext cx="20671200" cy="1479600"/>
           </a:xfrm>
           <a:prstGeom prst="rect">
             <a:avLst/>
@@ -3249,64 +2778,24 @@
                 <a:latin typeface="Calibri"/>
                 <a:ea typeface="DejaVu Sans"/>
               </a:rPr>
-              <a:t>EOD net is an effort to improve the state of the art in deep learning using the technique of neural ODEs[5]. This is because they offer </a:t>
-            </a:r>
-            <a:r>
-              <a:rPr b="0" lang="en-IN" sz="2400" spc="-1" strike="noStrike">
-                <a:solidFill>
-                  <a:srgbClr val="000000"/>
-                </a:solidFill>
-                <a:latin typeface="Calibri"/>
-                <a:ea typeface="DejaVu Sans"/>
-              </a:rPr>
-              <a:t>means of faster and better neural network architectures for lesser energy costs. The research was conducted on multiple Kaggle </a:t>
-            </a:r>
-            <a:r>
-              <a:rPr b="0" lang="en-IN" sz="2400" spc="-1" strike="noStrike">
-                <a:solidFill>
-                  <a:srgbClr val="000000"/>
-                </a:solidFill>
-                <a:latin typeface="Calibri"/>
-                <a:ea typeface="DejaVu Sans"/>
-              </a:rPr>
-              <a:t>challenges to prove the effectiveness of the model. The results show that EODNet performs fairly well and beats the leaderboard of </a:t>
-            </a:r>
-            <a:r>
-              <a:rPr b="0" lang="en-IN" sz="2400" spc="-1" strike="noStrike">
-                <a:solidFill>
-                  <a:srgbClr val="000000"/>
-                </a:solidFill>
-                <a:latin typeface="Calibri"/>
-                <a:ea typeface="DejaVu Sans"/>
-              </a:rPr>
-              <a:t>multiple challenges. Some by a very large margin in only a few epochs of training. This poster will present the main ideas of the </a:t>
-            </a:r>
-            <a:r>
-              <a:rPr b="0" lang="en-IN" sz="2400" spc="-1" strike="noStrike">
-                <a:solidFill>
-                  <a:srgbClr val="000000"/>
-                </a:solidFill>
-                <a:latin typeface="Calibri"/>
-                <a:ea typeface="DejaVu Sans"/>
-              </a:rPr>
-              <a:t>paper.</a:t>
-            </a:r>
-            <a:endParaRPr b="0" lang="en-US" sz="2400" spc="-1" strike="noStrike">
-              <a:latin typeface="Arial"/>
-            </a:endParaRPr>
-          </a:p>
-        </p:txBody>
-      </p:sp>
-      <p:sp>
-        <p:nvSpPr>
-          <p:cNvPr id="48" name="Rectangle 21"/>
+              <a:t>EOD net is an effort to improve the state of the art in deep learning using the technique of neural ODEs[5]. This is because they offer means of faster and better neural network architectures for lesser energy costs. The research was conducted on multiple Kaggle challenges to prove the effectiveness of the model. The results show that EODNet performs fairly well and beats the leaderboard of multiple challenges. Some by a very large margin in only a few epochs of training. This poster will present the main ideas of the paper.</a:t>
+            </a:r>
+            <a:endParaRPr b="0" lang="en-US" sz="2400" spc="-1" strike="noStrike">
+              <a:latin typeface="Arial"/>
+            </a:endParaRPr>
+          </a:p>
+        </p:txBody>
+      </p:sp>
+      <p:sp>
+        <p:nvSpPr>
+          <p:cNvPr id="49" name="Rectangle 21"/>
           <p:cNvSpPr/>
           <p:nvPr/>
         </p:nvSpPr>
         <p:spPr>
           <a:xfrm>
             <a:off x="326160" y="2481840"/>
-            <a:ext cx="2764440" cy="638640"/>
+            <a:ext cx="2764440" cy="638280"/>
           </a:xfrm>
           <a:prstGeom prst="rect">
             <a:avLst/>
@@ -3350,14 +2839,14 @@
       </p:sp>
       <p:sp>
         <p:nvSpPr>
-          <p:cNvPr id="49" name="Text Placeholder 68"/>
+          <p:cNvPr id="50" name="Text Placeholder 68"/>
           <p:cNvSpPr/>
           <p:nvPr/>
         </p:nvSpPr>
         <p:spPr>
           <a:xfrm>
             <a:off x="10708920" y="17192880"/>
-            <a:ext cx="10314000" cy="3838320"/>
+            <a:ext cx="10313640" cy="3837960"/>
           </a:xfrm>
           <a:prstGeom prst="rect">
             <a:avLst/>
@@ -3462,14 +2951,14 @@
       </p:sp>
       <p:sp>
         <p:nvSpPr>
-          <p:cNvPr id="50" name="Rectangle 27"/>
+          <p:cNvPr id="51" name="Rectangle 27"/>
           <p:cNvSpPr/>
           <p:nvPr/>
         </p:nvSpPr>
         <p:spPr>
           <a:xfrm>
             <a:off x="10708920" y="21123720"/>
-            <a:ext cx="10361520" cy="8319960"/>
+            <a:ext cx="10361160" cy="8319600"/>
           </a:xfrm>
           <a:prstGeom prst="rect">
             <a:avLst/>
@@ -3713,14 +3202,14 @@
       </p:sp>
       <p:sp>
         <p:nvSpPr>
-          <p:cNvPr id="51" name="Rectangle 28"/>
+          <p:cNvPr id="52" name="Rectangle 28"/>
           <p:cNvSpPr/>
           <p:nvPr/>
         </p:nvSpPr>
         <p:spPr>
           <a:xfrm>
             <a:off x="10708920" y="16506360"/>
-            <a:ext cx="2447280" cy="638640"/>
+            <a:ext cx="2447280" cy="638280"/>
           </a:xfrm>
           <a:prstGeom prst="rect">
             <a:avLst/>
@@ -3764,7 +3253,7 @@
       </p:sp>
       <p:pic>
         <p:nvPicPr>
-          <p:cNvPr id="52" name="Picture 1" descr=""/>
+          <p:cNvPr id="53" name="Picture 1" descr=""/>
           <p:cNvPicPr/>
           <p:nvPr/>
         </p:nvPicPr>
@@ -3775,7 +3264,7 @@
         <p:spPr>
           <a:xfrm>
             <a:off x="415440" y="419040"/>
-            <a:ext cx="2142360" cy="2068920"/>
+            <a:ext cx="2142000" cy="2068560"/>
           </a:xfrm>
           <a:prstGeom prst="rect">
             <a:avLst/>
@@ -3787,14 +3276,14 @@
       </p:pic>
       <p:sp>
         <p:nvSpPr>
-          <p:cNvPr id="53" name="Text Placeholder 68"/>
+          <p:cNvPr id="54" name="Text Placeholder 68"/>
           <p:cNvSpPr/>
           <p:nvPr/>
         </p:nvSpPr>
         <p:spPr>
           <a:xfrm>
             <a:off x="359640" y="5240160"/>
-            <a:ext cx="20663280" cy="1617840"/>
+            <a:ext cx="20662920" cy="1617480"/>
           </a:xfrm>
           <a:prstGeom prst="rect">
             <a:avLst/>
@@ -3837,64 +3326,24 @@
                 <a:latin typeface="Calibri"/>
                 <a:ea typeface="DejaVu Sans"/>
               </a:rPr>
-              <a:t>Incorporating aspects of other domains into our code has always proved to be of utmost benefit. In that spirit, using the principles of </a:t>
-            </a:r>
-            <a:r>
-              <a:rPr b="0" lang="en-US" sz="2400" spc="-1" strike="noStrike">
-                <a:solidFill>
-                  <a:srgbClr val="000000"/>
-                </a:solidFill>
-                <a:latin typeface="Calibri"/>
-                <a:ea typeface="DejaVu Sans"/>
-              </a:rPr>
-              <a:t>physics in the form of ODEs has also shown to be of interest over the past two years.[1,2,3]. This inspired us to perform a research </a:t>
-            </a:r>
-            <a:r>
-              <a:rPr b="0" lang="en-US" sz="2400" spc="-1" strike="noStrike">
-                <a:solidFill>
-                  <a:srgbClr val="000000"/>
-                </a:solidFill>
-                <a:latin typeface="Calibri"/>
-                <a:ea typeface="DejaVu Sans"/>
-              </a:rPr>
-              <a:t>project to identify a novel architecture which combines the best of both worlds and also performs well at existing challenges better </a:t>
-            </a:r>
-            <a:r>
-              <a:rPr b="0" lang="en-US" sz="2400" spc="-1" strike="noStrike">
-                <a:solidFill>
-                  <a:srgbClr val="000000"/>
-                </a:solidFill>
-                <a:latin typeface="Calibri"/>
-                <a:ea typeface="DejaVu Sans"/>
-              </a:rPr>
-              <a:t>than the previous models. Thus EOD net was created. In our experiments, as tabulated and explained below, it outperforms the </a:t>
-            </a:r>
-            <a:r>
-              <a:rPr b="0" lang="en-US" sz="2400" spc="-1" strike="noStrike">
-                <a:solidFill>
-                  <a:srgbClr val="000000"/>
-                </a:solidFill>
-                <a:latin typeface="Calibri"/>
-                <a:ea typeface="DejaVu Sans"/>
-              </a:rPr>
-              <a:t>previous leaderboard for every challenge that we tested it on.</a:t>
-            </a:r>
-            <a:endParaRPr b="0" lang="en-US" sz="2400" spc="-1" strike="noStrike">
-              <a:latin typeface="Arial"/>
-            </a:endParaRPr>
-          </a:p>
-        </p:txBody>
-      </p:sp>
-      <p:sp>
-        <p:nvSpPr>
-          <p:cNvPr id="54" name="Rectangle 24"/>
+              <a:t>Incorporating aspects of other domains into our code has always proved to be of utmost benefit. In that spirit, using the principles of physics in the form of ODEs has also shown to be of interest over the past two years.[1,2,3]. This inspired us to perform a research project to identify a novel architecture which combines the best of both worlds and also performs well at existing challenges better than the previous models. Thus EOD net was created. In our experiments, as tabulated and explained below, it outperforms the previous leaderboard for every challenge that we tested it on.</a:t>
+            </a:r>
+            <a:endParaRPr b="0" lang="en-US" sz="2400" spc="-1" strike="noStrike">
+              <a:latin typeface="Arial"/>
+            </a:endParaRPr>
+          </a:p>
+        </p:txBody>
+      </p:sp>
+      <p:sp>
+        <p:nvSpPr>
+          <p:cNvPr id="55" name="Rectangle 24"/>
           <p:cNvSpPr/>
           <p:nvPr/>
         </p:nvSpPr>
         <p:spPr>
           <a:xfrm>
             <a:off x="363600" y="4619160"/>
-            <a:ext cx="2385000" cy="638640"/>
+            <a:ext cx="2385000" cy="638280"/>
           </a:xfrm>
           <a:prstGeom prst="rect">
             <a:avLst/>
@@ -3938,14 +3387,14 @@
       </p:sp>
       <p:sp>
         <p:nvSpPr>
-          <p:cNvPr id="55" name=""/>
-          <p:cNvSpPr txBox="1"/>
+          <p:cNvPr id="56" name=""/>
+          <p:cNvSpPr/>
           <p:nvPr/>
         </p:nvSpPr>
         <p:spPr>
           <a:xfrm>
-            <a:off x="11261520" y="12060720"/>
-            <a:ext cx="8626680" cy="740880"/>
+            <a:off x="3814200" y="17776080"/>
+            <a:ext cx="2743200" cy="740520"/>
           </a:xfrm>
           <a:prstGeom prst="rect">
             <a:avLst/>
@@ -3955,11 +3404,22 @@
             <a:noFill/>
           </a:ln>
         </p:spPr>
+        <p:style>
+          <a:lnRef idx="0"/>
+          <a:fillRef idx="0"/>
+          <a:effectRef idx="0"/>
+          <a:fontRef idx="minor"/>
+        </p:style>
         <p:txBody>
           <a:bodyPr lIns="90000" rIns="90000" tIns="45000" bIns="45000">
             <a:noAutofit/>
           </a:bodyPr>
           <a:p>
+            <a:pPr>
+              <a:lnSpc>
+                <a:spcPct val="100000"/>
+              </a:lnSpc>
+            </a:pPr>
             <a:r>
               <a:rPr b="0" i="1" lang="en-AU" sz="2000" spc="-1" strike="noStrike">
                 <a:solidFill>
@@ -3968,87 +3428,7 @@
                 <a:latin typeface="Calibri"/>
                 <a:ea typeface="DejaVu Sans"/>
               </a:rPr>
-              <a:t>Captions to be set </a:t>
-            </a:r>
-            <a:r>
-              <a:rPr b="0" i="1" lang="en-AU" sz="2000" spc="-1" strike="noStrike">
-                <a:solidFill>
-                  <a:srgbClr val="000000"/>
-                </a:solidFill>
-                <a:latin typeface="Calibri"/>
-                <a:ea typeface="DejaVu Sans"/>
-              </a:rPr>
-              <a:t>in Calibri, italic, 18 </a:t>
-            </a:r>
-            <a:r>
-              <a:rPr b="0" i="1" lang="en-AU" sz="2000" spc="-1" strike="noStrike">
-                <a:solidFill>
-                  <a:srgbClr val="000000"/>
-                </a:solidFill>
-                <a:latin typeface="Calibri"/>
-                <a:ea typeface="DejaVu Sans"/>
-              </a:rPr>
-              <a:t>to </a:t>
-            </a:r>
-            <a:r>
-              <a:rPr b="0" i="1" lang="en-AU" sz="2400" spc="-1" strike="noStrike">
-                <a:solidFill>
-                  <a:srgbClr val="000000"/>
-                </a:solidFill>
-                <a:latin typeface="Calibri"/>
-                <a:ea typeface="DejaVu Sans"/>
-              </a:rPr>
-              <a:t>24</a:t>
-            </a:r>
-            <a:r>
-              <a:rPr b="0" i="1" lang="en-AU" sz="2000" spc="-1" strike="noStrike">
-                <a:solidFill>
-                  <a:srgbClr val="000000"/>
-                </a:solidFill>
-                <a:latin typeface="Calibri"/>
-                <a:ea typeface="DejaVu Sans"/>
-              </a:rPr>
-              <a:t> points, </a:t>
-            </a:r>
-            <a:r>
-              <a:rPr b="0" i="1" lang="en-AU" sz="2000" spc="-1" strike="noStrike">
-                <a:solidFill>
-                  <a:srgbClr val="000000"/>
-                </a:solidFill>
-                <a:latin typeface="Calibri"/>
-                <a:ea typeface="DejaVu Sans"/>
-              </a:rPr>
-              <a:t>should be set </a:t>
-            </a:r>
-            <a:r>
-              <a:rPr b="1" i="1" lang="en-AU" sz="2000" spc="-1" strike="noStrike">
-                <a:solidFill>
-                  <a:srgbClr val="000000"/>
-                </a:solidFill>
-                <a:latin typeface="Calibri"/>
-                <a:ea typeface="DejaVu Sans"/>
-              </a:rPr>
-              <a:t>above</a:t>
-            </a:r>
-            <a:r>
-              <a:rPr b="0" i="1" lang="en-AU" sz="2000" spc="-1" strike="noStrike">
-                <a:solidFill>
-                  <a:srgbClr val="000000"/>
-                </a:solidFill>
-                <a:latin typeface="Calibri"/>
-                <a:ea typeface="DejaVu Sans"/>
-              </a:rPr>
-              <a:t> the table </a:t>
-            </a:r>
-            <a:r>
-              <a:rPr b="0" i="1" lang="en-AU" sz="2000" spc="-1" strike="noStrike">
-                <a:solidFill>
-                  <a:srgbClr val="000000"/>
-                </a:solidFill>
-                <a:latin typeface="Calibri"/>
-                <a:ea typeface="DejaVu Sans"/>
-              </a:rPr>
-              <a:t>and centre aligned</a:t>
+              <a:t>Architectural diagram</a:t>
             </a:r>
             <a:endParaRPr b="0" lang="en-US" sz="2000" spc="-1" strike="noStrike">
               <a:latin typeface="Arial"/>
@@ -4058,14 +3438,14 @@
       </p:sp>
       <p:sp>
         <p:nvSpPr>
-          <p:cNvPr id="56" name=""/>
-          <p:cNvSpPr txBox="1"/>
+          <p:cNvPr id="57" name=""/>
+          <p:cNvSpPr/>
           <p:nvPr/>
         </p:nvSpPr>
         <p:spPr>
           <a:xfrm>
-            <a:off x="914400" y="17775720"/>
-            <a:ext cx="8626680" cy="740880"/>
+            <a:off x="10834920" y="14401800"/>
+            <a:ext cx="9967320" cy="1154880"/>
           </a:xfrm>
           <a:prstGeom prst="rect">
             <a:avLst/>
@@ -4075,101 +3455,22 @@
             <a:noFill/>
           </a:ln>
         </p:spPr>
+        <p:style>
+          <a:lnRef idx="0"/>
+          <a:fillRef idx="0"/>
+          <a:effectRef idx="0"/>
+          <a:fontRef idx="minor"/>
+        </p:style>
         <p:txBody>
           <a:bodyPr lIns="90000" rIns="90000" tIns="45000" bIns="45000">
             <a:noAutofit/>
           </a:bodyPr>
           <a:p>
-            <a:r>
-              <a:rPr b="0" i="1" lang="en-AU" sz="2000" spc="-1" strike="noStrike">
-                <a:solidFill>
-                  <a:srgbClr val="000000"/>
-                </a:solidFill>
-                <a:latin typeface="Calibri"/>
-                <a:ea typeface="DejaVu Sans"/>
-              </a:rPr>
-              <a:t>Captions to be set in Calibri, italic, 18 to </a:t>
-            </a:r>
-            <a:r>
-              <a:rPr b="0" i="1" lang="en-AU" sz="2400" spc="-1" strike="noStrike">
-                <a:solidFill>
-                  <a:srgbClr val="000000"/>
-                </a:solidFill>
-                <a:latin typeface="Calibri"/>
-                <a:ea typeface="DejaVu Sans"/>
-              </a:rPr>
-              <a:t>24</a:t>
-            </a:r>
-            <a:r>
-              <a:rPr b="0" i="1" lang="en-AU" sz="2000" spc="-1" strike="noStrike">
-                <a:solidFill>
-                  <a:srgbClr val="000000"/>
-                </a:solidFill>
-                <a:latin typeface="Calibri"/>
-                <a:ea typeface="DejaVu Sans"/>
-              </a:rPr>
-              <a:t> points, should be set </a:t>
-            </a:r>
-            <a:r>
-              <a:rPr b="1" i="1" lang="en-AU" sz="2000" spc="-1" strike="noStrike">
-                <a:solidFill>
-                  <a:srgbClr val="000000"/>
-                </a:solidFill>
-                <a:latin typeface="Calibri"/>
-                <a:ea typeface="DejaVu Sans"/>
-              </a:rPr>
-              <a:t>above</a:t>
-            </a:r>
-            <a:r>
-              <a:rPr b="0" i="1" lang="en-AU" sz="2000" spc="-1" strike="noStrike">
-                <a:solidFill>
-                  <a:srgbClr val="000000"/>
-                </a:solidFill>
-                <a:latin typeface="Calibri"/>
-                <a:ea typeface="DejaVu Sans"/>
-              </a:rPr>
-              <a:t> the table and </a:t>
-            </a:r>
-            <a:r>
-              <a:rPr b="0" i="1" lang="en-AU" sz="2000" spc="-1" strike="noStrike">
-                <a:solidFill>
-                  <a:srgbClr val="000000"/>
-                </a:solidFill>
-                <a:latin typeface="Calibri"/>
-                <a:ea typeface="DejaVu Sans"/>
-              </a:rPr>
-              <a:t>centre aligned</a:t>
-            </a:r>
-            <a:endParaRPr b="0" lang="en-US" sz="2000" spc="-1" strike="noStrike">
-              <a:latin typeface="Arial"/>
-            </a:endParaRPr>
-          </a:p>
-        </p:txBody>
-      </p:sp>
-      <p:sp>
-        <p:nvSpPr>
-          <p:cNvPr id="57" name=""/>
-          <p:cNvSpPr txBox="1"/>
-          <p:nvPr/>
-        </p:nvSpPr>
-        <p:spPr>
-          <a:xfrm>
-            <a:off x="10834920" y="14401800"/>
-            <a:ext cx="9967680" cy="1155240"/>
-          </a:xfrm>
-          <a:prstGeom prst="rect">
-            <a:avLst/>
-          </a:prstGeom>
-          <a:noFill/>
-          <a:ln w="0">
-            <a:noFill/>
-          </a:ln>
-        </p:spPr>
-        <p:txBody>
-          <a:bodyPr lIns="90000" rIns="90000" tIns="45000" bIns="45000">
-            <a:noAutofit/>
-          </a:bodyPr>
-          <a:p>
+            <a:pPr>
+              <a:lnSpc>
+                <a:spcPct val="100000"/>
+              </a:lnSpc>
+            </a:pPr>
             <a:r>
               <a:rPr b="0" lang="en-IN" sz="2400" spc="-1" strike="noStrike">
                 <a:solidFill>
@@ -4178,84 +3479,24 @@
                 <a:latin typeface="Calibri"/>
                 <a:ea typeface="DejaVu Sans"/>
               </a:rPr>
-              <a:t>The above graph shows the results that we obtained for each of the </a:t>
-            </a:r>
-            <a:r>
-              <a:rPr b="0" lang="en-IN" sz="2400" spc="-1" strike="noStrike">
-                <a:solidFill>
-                  <a:srgbClr val="000000"/>
-                </a:solidFill>
-                <a:latin typeface="Calibri"/>
-                <a:ea typeface="DejaVu Sans"/>
-              </a:rPr>
-              <a:t>datasets in terms of the accuracy measure.</a:t>
-            </a:r>
-            <a:endParaRPr b="0" lang="en-US" sz="2400" spc="-1" strike="noStrike">
-              <a:latin typeface="Arial"/>
-            </a:endParaRPr>
-          </a:p>
-        </p:txBody>
-      </p:sp>
-      <p:sp>
-        <p:nvSpPr>
-          <p:cNvPr id="58" name=""/>
-          <p:cNvSpPr txBox="1"/>
-          <p:nvPr/>
-        </p:nvSpPr>
-        <p:spPr>
-          <a:xfrm>
-            <a:off x="14219640" y="10972800"/>
-            <a:ext cx="2239560" cy="445680"/>
-          </a:xfrm>
-          <a:prstGeom prst="rect">
-            <a:avLst/>
-          </a:prstGeom>
-          <a:noFill/>
-          <a:ln w="0">
-            <a:noFill/>
-          </a:ln>
-        </p:spPr>
-        <p:txBody>
-          <a:bodyPr lIns="90000" rIns="90000" tIns="45000" bIns="45000">
-            <a:noAutofit/>
-          </a:bodyPr>
-          <a:p>
-            <a:r>
-              <a:rPr b="0" lang="en-IN" sz="2400" spc="-1" strike="noStrike">
-                <a:solidFill>
-                  <a:srgbClr val="000000"/>
-                </a:solidFill>
-                <a:latin typeface="Calibri"/>
-                <a:ea typeface="DejaVu Sans"/>
-              </a:rPr>
-              <a:t>&lt;Insert </a:t>
-            </a:r>
-            <a:r>
-              <a:rPr b="0" lang="en-IN" sz="2400" spc="-1" strike="noStrike">
-                <a:solidFill>
-                  <a:srgbClr val="000000"/>
-                </a:solidFill>
-                <a:latin typeface="Calibri"/>
-                <a:ea typeface="DejaVu Sans"/>
-              </a:rPr>
-              <a:t>image&gt;</a:t>
-            </a:r>
-            <a:endParaRPr b="0" lang="en-US" sz="2400" spc="-1" strike="noStrike">
-              <a:latin typeface="Arial"/>
-            </a:endParaRPr>
-          </a:p>
-        </p:txBody>
-      </p:sp>
-      <p:sp>
-        <p:nvSpPr>
-          <p:cNvPr id="59" name="Text Placeholder 68_0"/>
+              <a:t>The above graph shows the results that we obtained for each of the datasets in terms of the accuracy measure.</a:t>
+            </a:r>
+            <a:endParaRPr b="0" lang="en-US" sz="2400" spc="-1" strike="noStrike">
+              <a:latin typeface="Arial"/>
+            </a:endParaRPr>
+          </a:p>
+        </p:txBody>
+      </p:sp>
+      <p:sp>
+        <p:nvSpPr>
+          <p:cNvPr id="58" name="Text Placeholder 68_0"/>
           <p:cNvSpPr/>
           <p:nvPr/>
         </p:nvSpPr>
         <p:spPr>
           <a:xfrm>
             <a:off x="10756440" y="21079080"/>
-            <a:ext cx="10266480" cy="8181720"/>
+            <a:ext cx="10266120" cy="8181360"/>
           </a:xfrm>
           <a:prstGeom prst="rect">
             <a:avLst/>
@@ -4274,6 +3515,126 @@
           <a:effectRef idx="0"/>
           <a:fontRef idx="minor"/>
         </p:style>
+      </p:sp>
+      <p:pic>
+        <p:nvPicPr>
+          <p:cNvPr id="59" name="" descr=""/>
+          <p:cNvPicPr/>
+          <p:nvPr/>
+        </p:nvPicPr>
+        <p:blipFill>
+          <a:blip r:embed="rId2"/>
+          <a:stretch/>
+        </p:blipFill>
+        <p:spPr>
+          <a:xfrm>
+            <a:off x="2483640" y="18577080"/>
+            <a:ext cx="5889240" cy="4740120"/>
+          </a:xfrm>
+          <a:prstGeom prst="rect">
+            <a:avLst/>
+          </a:prstGeom>
+          <a:ln w="0">
+            <a:noFill/>
+          </a:ln>
+        </p:spPr>
+      </p:pic>
+      <p:pic>
+        <p:nvPicPr>
+          <p:cNvPr id="60" name="" descr=""/>
+          <p:cNvPicPr/>
+          <p:nvPr/>
+        </p:nvPicPr>
+        <p:blipFill>
+          <a:blip r:embed="rId3"/>
+          <a:stretch/>
+        </p:blipFill>
+        <p:spPr>
+          <a:xfrm>
+            <a:off x="11201400" y="10058400"/>
+            <a:ext cx="4114800" cy="4059720"/>
+          </a:xfrm>
+          <a:prstGeom prst="rect">
+            <a:avLst/>
+          </a:prstGeom>
+          <a:ln w="0">
+            <a:noFill/>
+          </a:ln>
+        </p:spPr>
+      </p:pic>
+      <p:pic>
+        <p:nvPicPr>
+          <p:cNvPr id="61" name="" descr=""/>
+          <p:cNvPicPr/>
+          <p:nvPr/>
+        </p:nvPicPr>
+        <p:blipFill>
+          <a:blip r:embed="rId4"/>
+          <a:stretch/>
+        </p:blipFill>
+        <p:spPr>
+          <a:xfrm>
+            <a:off x="15908040" y="10058400"/>
+            <a:ext cx="3980160" cy="4014000"/>
+          </a:xfrm>
+          <a:prstGeom prst="rect">
+            <a:avLst/>
+          </a:prstGeom>
+          <a:ln w="0">
+            <a:noFill/>
+          </a:ln>
+        </p:spPr>
+      </p:pic>
+      <p:sp>
+        <p:nvSpPr>
+          <p:cNvPr id="62" name=""/>
+          <p:cNvSpPr/>
+          <p:nvPr/>
+        </p:nvSpPr>
+        <p:spPr>
+          <a:xfrm>
+            <a:off x="12115800" y="9372600"/>
+            <a:ext cx="2743200" cy="740520"/>
+          </a:xfrm>
+          <a:prstGeom prst="rect">
+            <a:avLst/>
+          </a:prstGeom>
+          <a:noFill/>
+          <a:ln w="0">
+            <a:noFill/>
+          </a:ln>
+        </p:spPr>
+        <p:style>
+          <a:lnRef idx="0"/>
+          <a:fillRef idx="0"/>
+          <a:effectRef idx="0"/>
+          <a:fontRef idx="minor"/>
+        </p:style>
+        <p:txBody>
+          <a:bodyPr lIns="90000" rIns="90000" tIns="45000" bIns="45000">
+            <a:noAutofit/>
+          </a:bodyPr>
+          <a:p>
+            <a:pPr>
+              <a:lnSpc>
+                <a:spcPct val="100000"/>
+              </a:lnSpc>
+            </a:pPr>
+            <a:r>
+              <a:rPr b="0" i="1" lang="en-AU" sz="2000" spc="-1" strike="noStrike">
+                <a:solidFill>
+                  <a:srgbClr val="000000"/>
+                </a:solidFill>
+                <a:latin typeface="Calibri"/>
+                <a:ea typeface="DejaVu Sans"/>
+              </a:rPr>
+              <a:t>Accuracy</a:t>
+            </a:r>
+            <a:endParaRPr b="0" lang="en-US" sz="2000" spc="-1" strike="noStrike">
+              <a:latin typeface="Arial"/>
+            </a:endParaRPr>
+          </a:p>
+        </p:txBody>
       </p:sp>
     </p:spTree>
   </p:cSld>
